--- a/PPT/(20.07.07)뉴로모픽 Scikitlearn-ONNXRuntime.pptx
+++ b/PPT/(20.07.07)뉴로모픽 Scikitlearn-ONNXRuntime.pptx
@@ -224,7 +224,7 @@
           <a:p>
             <a:fld id="{83867DA1-25EE-41A3-BC06-58365A12C97A}" type="datetimeFigureOut">
               <a:rPr lang="ko-KR" altLang="en-US" smtClean="0"/>
-              <a:t>2020-07-08</a:t>
+              <a:t>2020-07-19</a:t>
             </a:fld>
             <a:endParaRPr lang="ko-KR" altLang="en-US"/>
           </a:p>
@@ -1042,6 +1042,88 @@
           <a:p>
             <a:r>
               <a:rPr lang="en-US" altLang="ko-KR" dirty="0" err="1" smtClean="0"/>
+              <a:t>Onnx</a:t>
+            </a:r>
+            <a:r>
+              <a:rPr lang="en-US" altLang="ko-KR" dirty="0" smtClean="0"/>
+              <a:t> </a:t>
+            </a:r>
+            <a:r>
+              <a:rPr lang="ko-KR" altLang="en-US" dirty="0" smtClean="0"/>
+              <a:t>항목을 돌려야 하니까 연산자가 필요한 것이고 </a:t>
+            </a:r>
+            <a:r>
+              <a:rPr lang="en-US" altLang="ko-KR" dirty="0" smtClean="0"/>
+              <a:t>, </a:t>
+            </a:r>
+            <a:r>
+              <a:rPr lang="ko-KR" altLang="en-US" dirty="0" smtClean="0"/>
+              <a:t>그 </a:t>
+            </a:r>
+            <a:r>
+              <a:rPr lang="ko-KR" altLang="en-US" dirty="0" err="1" smtClean="0"/>
+              <a:t>연산자중</a:t>
+            </a:r>
+            <a:r>
+              <a:rPr lang="ko-KR" altLang="en-US" dirty="0" smtClean="0"/>
+              <a:t> 하나가 </a:t>
+            </a:r>
+            <a:r>
+              <a:rPr lang="en-US" altLang="ko-KR" smtClean="0"/>
+              <a:t>add</a:t>
+            </a:r>
+            <a:r>
+              <a:rPr lang="en-US" altLang="ko-KR" baseline="0" smtClean="0"/>
+              <a:t> </a:t>
+            </a:r>
+            <a:endParaRPr lang="en-US" altLang="ko-KR" smtClean="0"/>
+          </a:p>
+          <a:p>
+            <a:r>
+              <a:rPr lang="ko-KR" altLang="en-US" dirty="0" smtClean="0"/>
+              <a:t>내부 구조 연산이 어떻게 동작하는지 보기가 힘들어서 </a:t>
+            </a:r>
+            <a:r>
+              <a:rPr lang="en-US" altLang="ko-KR" dirty="0" smtClean="0"/>
+              <a:t>(</a:t>
+            </a:r>
+            <a:r>
+              <a:rPr lang="ko-KR" altLang="en-US" dirty="0" smtClean="0"/>
+              <a:t>일단 </a:t>
+            </a:r>
+            <a:r>
+              <a:rPr lang="en-US" altLang="ko-KR" dirty="0" smtClean="0"/>
+              <a:t>bench</a:t>
+            </a:r>
+            <a:r>
+              <a:rPr lang="en-US" altLang="ko-KR" baseline="0" dirty="0" smtClean="0"/>
+              <a:t> mark </a:t>
+            </a:r>
+            <a:r>
+              <a:rPr lang="ko-KR" altLang="en-US" baseline="0" dirty="0" smtClean="0"/>
+              <a:t>하면서 </a:t>
+            </a:r>
+            <a:r>
+              <a:rPr lang="ko-KR" altLang="en-US" baseline="0" dirty="0" err="1" smtClean="0"/>
+              <a:t>비교한것</a:t>
+            </a:r>
+            <a:r>
+              <a:rPr lang="en-US" altLang="ko-KR" baseline="0" dirty="0" smtClean="0"/>
+              <a:t> </a:t>
+            </a:r>
+            <a:r>
+              <a:rPr lang="ko-KR" altLang="en-US" baseline="0" dirty="0" smtClean="0"/>
+              <a:t>확인</a:t>
+            </a:r>
+            <a:r>
+              <a:rPr lang="en-US" altLang="ko-KR" baseline="0" dirty="0" smtClean="0"/>
+              <a:t>)</a:t>
+            </a:r>
+            <a:endParaRPr lang="en-US" altLang="ko-KR" dirty="0" smtClean="0"/>
+          </a:p>
+          <a:p>
+            <a:r>
+              <a:rPr lang="en-US" altLang="ko-KR" dirty="0" err="1" smtClean="0"/>
               <a:t>Numpy</a:t>
             </a:r>
             <a:r>
@@ -1754,7 +1836,7 @@
           <a:p>
             <a:fld id="{5B66E229-F026-4F6F-B35B-4F4854604425}" type="datetimeFigureOut">
               <a:rPr lang="ko-KR" altLang="en-US" smtClean="0"/>
-              <a:t>2020-07-08</a:t>
+              <a:t>2020-07-19</a:t>
             </a:fld>
             <a:endParaRPr lang="ko-KR" altLang="en-US"/>
           </a:p>
@@ -1924,7 +2006,7 @@
           <a:p>
             <a:fld id="{5B66E229-F026-4F6F-B35B-4F4854604425}" type="datetimeFigureOut">
               <a:rPr lang="ko-KR" altLang="en-US" smtClean="0"/>
-              <a:t>2020-07-08</a:t>
+              <a:t>2020-07-19</a:t>
             </a:fld>
             <a:endParaRPr lang="ko-KR" altLang="en-US"/>
           </a:p>
@@ -2104,7 +2186,7 @@
           <a:p>
             <a:fld id="{5B66E229-F026-4F6F-B35B-4F4854604425}" type="datetimeFigureOut">
               <a:rPr lang="ko-KR" altLang="en-US" smtClean="0"/>
-              <a:t>2020-07-08</a:t>
+              <a:t>2020-07-19</a:t>
             </a:fld>
             <a:endParaRPr lang="ko-KR" altLang="en-US"/>
           </a:p>
@@ -2274,7 +2356,7 @@
           <a:p>
             <a:fld id="{5B66E229-F026-4F6F-B35B-4F4854604425}" type="datetimeFigureOut">
               <a:rPr lang="ko-KR" altLang="en-US" smtClean="0"/>
-              <a:t>2020-07-08</a:t>
+              <a:t>2020-07-19</a:t>
             </a:fld>
             <a:endParaRPr lang="ko-KR" altLang="en-US"/>
           </a:p>
@@ -2520,7 +2602,7 @@
           <a:p>
             <a:fld id="{5B66E229-F026-4F6F-B35B-4F4854604425}" type="datetimeFigureOut">
               <a:rPr lang="ko-KR" altLang="en-US" smtClean="0"/>
-              <a:t>2020-07-08</a:t>
+              <a:t>2020-07-19</a:t>
             </a:fld>
             <a:endParaRPr lang="ko-KR" altLang="en-US"/>
           </a:p>
@@ -2752,7 +2834,7 @@
           <a:p>
             <a:fld id="{5B66E229-F026-4F6F-B35B-4F4854604425}" type="datetimeFigureOut">
               <a:rPr lang="ko-KR" altLang="en-US" smtClean="0"/>
-              <a:t>2020-07-08</a:t>
+              <a:t>2020-07-19</a:t>
             </a:fld>
             <a:endParaRPr lang="ko-KR" altLang="en-US"/>
           </a:p>
@@ -3119,7 +3201,7 @@
           <a:p>
             <a:fld id="{5B66E229-F026-4F6F-B35B-4F4854604425}" type="datetimeFigureOut">
               <a:rPr lang="ko-KR" altLang="en-US" smtClean="0"/>
-              <a:t>2020-07-08</a:t>
+              <a:t>2020-07-19</a:t>
             </a:fld>
             <a:endParaRPr lang="ko-KR" altLang="en-US"/>
           </a:p>
@@ -3237,7 +3319,7 @@
           <a:p>
             <a:fld id="{5B66E229-F026-4F6F-B35B-4F4854604425}" type="datetimeFigureOut">
               <a:rPr lang="ko-KR" altLang="en-US" smtClean="0"/>
-              <a:t>2020-07-08</a:t>
+              <a:t>2020-07-19</a:t>
             </a:fld>
             <a:endParaRPr lang="ko-KR" altLang="en-US"/>
           </a:p>
@@ -3332,7 +3414,7 @@
           <a:p>
             <a:fld id="{5B66E229-F026-4F6F-B35B-4F4854604425}" type="datetimeFigureOut">
               <a:rPr lang="ko-KR" altLang="en-US" smtClean="0"/>
-              <a:t>2020-07-08</a:t>
+              <a:t>2020-07-19</a:t>
             </a:fld>
             <a:endParaRPr lang="ko-KR" altLang="en-US"/>
           </a:p>
@@ -3609,7 +3691,7 @@
           <a:p>
             <a:fld id="{5B66E229-F026-4F6F-B35B-4F4854604425}" type="datetimeFigureOut">
               <a:rPr lang="ko-KR" altLang="en-US" smtClean="0"/>
-              <a:t>2020-07-08</a:t>
+              <a:t>2020-07-19</a:t>
             </a:fld>
             <a:endParaRPr lang="ko-KR" altLang="en-US"/>
           </a:p>
@@ -3862,7 +3944,7 @@
           <a:p>
             <a:fld id="{5B66E229-F026-4F6F-B35B-4F4854604425}" type="datetimeFigureOut">
               <a:rPr lang="ko-KR" altLang="en-US" smtClean="0"/>
-              <a:t>2020-07-08</a:t>
+              <a:t>2020-07-19</a:t>
             </a:fld>
             <a:endParaRPr lang="ko-KR" altLang="en-US"/>
           </a:p>
@@ -4075,7 +4157,7 @@
           <a:p>
             <a:fld id="{5B66E229-F026-4F6F-B35B-4F4854604425}" type="datetimeFigureOut">
               <a:rPr lang="ko-KR" altLang="en-US" smtClean="0"/>
-              <a:t>2020-07-08</a:t>
+              <a:t>2020-07-19</a:t>
             </a:fld>
             <a:endParaRPr lang="ko-KR" altLang="en-US"/>
           </a:p>
@@ -4541,11 +4623,7 @@
             </a:r>
             <a:r>
               <a:rPr lang="ko-KR" altLang="en-US" sz="3000" dirty="0" smtClean="0"/>
-              <a:t> </a:t>
-            </a:r>
-            <a:r>
-              <a:rPr lang="ko-KR" altLang="en-US" sz="3000" dirty="0" smtClean="0"/>
-              <a:t>및 </a:t>
+              <a:t> 및 </a:t>
             </a:r>
             <a:r>
               <a:rPr lang="en-US" altLang="ko-KR" sz="3000" dirty="0" err="1" smtClean="0"/>
@@ -13756,11 +13834,7 @@
           <a:p>
             <a:r>
               <a:rPr lang="en-US" altLang="ko-KR" dirty="0" smtClean="0"/>
-              <a:t>3-1</a:t>
-            </a:r>
-            <a:r>
-              <a:rPr lang="en-US" altLang="ko-KR" dirty="0" smtClean="0"/>
-              <a:t>. </a:t>
+              <a:t>3-1. </a:t>
             </a:r>
             <a:r>
               <a:rPr lang="en-US" altLang="ko-KR" dirty="0" err="1" smtClean="0"/>
